--- a/Arti1.pptx
+++ b/Arti1.pptx
@@ -21,6 +21,7 @@
     <p:sldId id="270" r:id="rId15"/>
     <p:sldId id="272" r:id="rId16"/>
     <p:sldId id="273" r:id="rId17"/>
+    <p:sldId id="274" r:id="rId18"/>
   </p:sldIdLst>
   <p:sldSz cx="12192000" cy="6858000"/>
   <p:notesSz cx="6858000" cy="9144000"/>
@@ -256,7 +257,7 @@
           <a:p>
             <a:fld id="{DF2C1B39-E206-4763-8F72-208C9B5560D9}" type="datetimeFigureOut">
               <a:rPr lang="zh-CN" altLang="en-US" smtClean="0"/>
-              <a:t>2021/9/23</a:t>
+              <a:t>2021/9/24</a:t>
             </a:fld>
             <a:endParaRPr lang="zh-CN" altLang="en-US"/>
           </a:p>
@@ -424,7 +425,7 @@
           <a:p>
             <a:fld id="{DF2C1B39-E206-4763-8F72-208C9B5560D9}" type="datetimeFigureOut">
               <a:rPr lang="zh-CN" altLang="en-US" smtClean="0"/>
-              <a:t>2021/9/23</a:t>
+              <a:t>2021/9/24</a:t>
             </a:fld>
             <a:endParaRPr lang="zh-CN" altLang="en-US"/>
           </a:p>
@@ -602,7 +603,7 @@
           <a:p>
             <a:fld id="{DF2C1B39-E206-4763-8F72-208C9B5560D9}" type="datetimeFigureOut">
               <a:rPr lang="zh-CN" altLang="en-US" smtClean="0"/>
-              <a:t>2021/9/23</a:t>
+              <a:t>2021/9/24</a:t>
             </a:fld>
             <a:endParaRPr lang="zh-CN" altLang="en-US"/>
           </a:p>
@@ -770,7 +771,7 @@
           <a:p>
             <a:fld id="{DF2C1B39-E206-4763-8F72-208C9B5560D9}" type="datetimeFigureOut">
               <a:rPr lang="zh-CN" altLang="en-US" smtClean="0"/>
-              <a:t>2021/9/23</a:t>
+              <a:t>2021/9/24</a:t>
             </a:fld>
             <a:endParaRPr lang="zh-CN" altLang="en-US"/>
           </a:p>
@@ -1015,7 +1016,7 @@
           <a:p>
             <a:fld id="{DF2C1B39-E206-4763-8F72-208C9B5560D9}" type="datetimeFigureOut">
               <a:rPr lang="zh-CN" altLang="en-US" smtClean="0"/>
-              <a:t>2021/9/23</a:t>
+              <a:t>2021/9/24</a:t>
             </a:fld>
             <a:endParaRPr lang="zh-CN" altLang="en-US"/>
           </a:p>
@@ -1244,7 +1245,7 @@
           <a:p>
             <a:fld id="{DF2C1B39-E206-4763-8F72-208C9B5560D9}" type="datetimeFigureOut">
               <a:rPr lang="zh-CN" altLang="en-US" smtClean="0"/>
-              <a:t>2021/9/23</a:t>
+              <a:t>2021/9/24</a:t>
             </a:fld>
             <a:endParaRPr lang="zh-CN" altLang="en-US"/>
           </a:p>
@@ -1608,7 +1609,7 @@
           <a:p>
             <a:fld id="{DF2C1B39-E206-4763-8F72-208C9B5560D9}" type="datetimeFigureOut">
               <a:rPr lang="zh-CN" altLang="en-US" smtClean="0"/>
-              <a:t>2021/9/23</a:t>
+              <a:t>2021/9/24</a:t>
             </a:fld>
             <a:endParaRPr lang="zh-CN" altLang="en-US"/>
           </a:p>
@@ -1725,7 +1726,7 @@
           <a:p>
             <a:fld id="{DF2C1B39-E206-4763-8F72-208C9B5560D9}" type="datetimeFigureOut">
               <a:rPr lang="zh-CN" altLang="en-US" smtClean="0"/>
-              <a:t>2021/9/23</a:t>
+              <a:t>2021/9/24</a:t>
             </a:fld>
             <a:endParaRPr lang="zh-CN" altLang="en-US"/>
           </a:p>
@@ -1820,7 +1821,7 @@
           <a:p>
             <a:fld id="{DF2C1B39-E206-4763-8F72-208C9B5560D9}" type="datetimeFigureOut">
               <a:rPr lang="zh-CN" altLang="en-US" smtClean="0"/>
-              <a:t>2021/9/23</a:t>
+              <a:t>2021/9/24</a:t>
             </a:fld>
             <a:endParaRPr lang="zh-CN" altLang="en-US"/>
           </a:p>
@@ -2095,7 +2096,7 @@
           <a:p>
             <a:fld id="{DF2C1B39-E206-4763-8F72-208C9B5560D9}" type="datetimeFigureOut">
               <a:rPr lang="zh-CN" altLang="en-US" smtClean="0"/>
-              <a:t>2021/9/23</a:t>
+              <a:t>2021/9/24</a:t>
             </a:fld>
             <a:endParaRPr lang="zh-CN" altLang="en-US"/>
           </a:p>
@@ -2347,7 +2348,7 @@
           <a:p>
             <a:fld id="{DF2C1B39-E206-4763-8F72-208C9B5560D9}" type="datetimeFigureOut">
               <a:rPr lang="zh-CN" altLang="en-US" smtClean="0"/>
-              <a:t>2021/9/23</a:t>
+              <a:t>2021/9/24</a:t>
             </a:fld>
             <a:endParaRPr lang="zh-CN" altLang="en-US"/>
           </a:p>
@@ -2558,7 +2559,7 @@
           <a:p>
             <a:fld id="{DF2C1B39-E206-4763-8F72-208C9B5560D9}" type="datetimeFigureOut">
               <a:rPr lang="zh-CN" altLang="en-US" smtClean="0"/>
-              <a:t>2021/9/23</a:t>
+              <a:t>2021/9/24</a:t>
             </a:fld>
             <a:endParaRPr lang="zh-CN" altLang="en-US"/>
           </a:p>
@@ -3994,9 +3995,10 @@
           </a:p>
           <a:p>
             <a:r>
-              <a:rPr lang="zh-CN" altLang="en-US" dirty="0"/>
+              <a:rPr lang="zh-CN" altLang="en-US" dirty="0" smtClean="0"/>
               <a:t>可分开计算以保持不同环境计算的可能性</a:t>
             </a:r>
+            <a:endParaRPr lang="zh-CN" altLang="en-US" dirty="0"/>
           </a:p>
         </p:txBody>
       </p:sp>
@@ -4030,57 +4032,120 @@
       </p:sp>
       <p:sp>
         <p:nvSpPr>
-          <p:cNvPr id="6" name="内容占位符 5">
-            <a:extLst>
-              <a:ext uri="{FF2B5EF4-FFF2-40B4-BE49-F238E27FC236}">
-                <a16:creationId xmlns:a16="http://schemas.microsoft.com/office/drawing/2014/main" id="{5F378A1B-04C3-4B6F-AC39-99E080B721EA}"/>
-              </a:ext>
-            </a:extLst>
-          </p:cNvPr>
-          <p:cNvSpPr>
-            <a:spLocks noGrp="1"/>
-          </p:cNvSpPr>
-          <p:nvPr>
-            <p:ph sz="quarter" idx="4"/>
-          </p:nvPr>
-        </p:nvSpPr>
-        <p:spPr/>
-        <p:txBody>
-          <a:bodyPr/>
-          <a:lstStyle/>
-          <a:p>
+          <p:cNvPr id="9" name="文本框 8"/>
+          <p:cNvSpPr txBox="1"/>
+          <p:nvPr/>
+        </p:nvSpPr>
+        <p:spPr>
+          <a:xfrm>
+            <a:off x="6236898" y="2579298"/>
+            <a:ext cx="4787660" cy="2862322"/>
+          </a:xfrm>
+          <a:prstGeom prst="rect">
+            <a:avLst/>
+          </a:prstGeom>
+          <a:noFill/>
+        </p:spPr>
+        <p:txBody>
+          <a:bodyPr wrap="square" rtlCol="0">
+            <a:spAutoFit/>
+          </a:bodyPr>
+          <a:lstStyle/>
+          <a:p>
+            <a:pPr marL="285750" indent="-285750">
+              <a:buFont typeface="Arial" panose="020B0604020202020204" pitchFamily="34" charset="0"/>
+              <a:buChar char="•"/>
+            </a:pPr>
+            <a:r>
+              <a:rPr lang="zh-CN" altLang="en-US" dirty="0" smtClean="0"/>
+              <a:t>假设</a:t>
+            </a:r>
+            <a:endParaRPr lang="en-US" altLang="zh-CN" dirty="0" smtClean="0"/>
+          </a:p>
+          <a:p>
+            <a:pPr marL="742950" lvl="1" indent="-285750">
+              <a:buFont typeface="Arial" panose="020B0604020202020204" pitchFamily="34" charset="0"/>
+              <a:buChar char="•"/>
+            </a:pPr>
+            <a:r>
+              <a:rPr lang="zh-CN" altLang="en-US" dirty="0" smtClean="0"/>
+              <a:t>总体数据来源不够准确（仅参考了欧盟数据）</a:t>
+            </a:r>
+            <a:endParaRPr lang="en-US" altLang="zh-CN" dirty="0" smtClean="0"/>
+          </a:p>
+          <a:p>
+            <a:pPr marL="742950" lvl="1" indent="-285750">
+              <a:buFont typeface="Arial" panose="020B0604020202020204" pitchFamily="34" charset="0"/>
+              <a:buChar char="•"/>
+            </a:pPr>
+            <a:r>
+              <a:rPr lang="zh-CN" altLang="en-US" dirty="0" smtClean="0"/>
+              <a:t>参数相对较少，无法提供真实预测</a:t>
+            </a:r>
+            <a:endParaRPr lang="en-US" altLang="zh-CN" dirty="0" smtClean="0"/>
+          </a:p>
+          <a:p>
+            <a:pPr marL="285750" indent="-285750">
+              <a:buFont typeface="Arial" panose="020B0604020202020204" pitchFamily="34" charset="0"/>
+              <a:buChar char="•"/>
+            </a:pPr>
+            <a:r>
+              <a:rPr lang="zh-CN" altLang="en-US" dirty="0" smtClean="0"/>
+              <a:t>模型</a:t>
+            </a:r>
+            <a:endParaRPr lang="en-US" altLang="zh-CN" dirty="0" smtClean="0"/>
+          </a:p>
+          <a:p>
+            <a:pPr marL="742950" lvl="1" indent="-285750">
+              <a:buFont typeface="Arial" panose="020B0604020202020204" pitchFamily="34" charset="0"/>
+              <a:buChar char="•"/>
+            </a:pPr>
+            <a:r>
+              <a:rPr lang="zh-CN" altLang="en-US" dirty="0" smtClean="0"/>
+              <a:t>大笔墨在简单的计算，相对来说较为重要的动态过程一带而过</a:t>
+            </a:r>
+            <a:endParaRPr lang="en-US" altLang="zh-CN" dirty="0" smtClean="0"/>
+          </a:p>
+          <a:p>
+            <a:pPr marL="742950" lvl="1" indent="-285750">
+              <a:buFont typeface="Arial" panose="020B0604020202020204" pitchFamily="34" charset="0"/>
+              <a:buChar char="•"/>
+            </a:pPr>
             <a:r>
               <a:rPr lang="zh-CN" altLang="en-US" dirty="0"/>
-              <a:t>利用的数据大多数来源于欧盟的统计数据，而不是本身模型</a:t>
+              <a:t>数据采集的广度，深度</a:t>
+            </a:r>
+            <a:r>
+              <a:rPr lang="zh-CN" altLang="en-US" dirty="0" smtClean="0"/>
+              <a:t>不够</a:t>
+            </a:r>
+            <a:endParaRPr lang="en-US" altLang="zh-CN" dirty="0" smtClean="0"/>
+          </a:p>
+          <a:p>
+            <a:pPr marL="285750" indent="-285750">
+              <a:buFont typeface="Arial" panose="020B0604020202020204" pitchFamily="34" charset="0"/>
+              <a:buChar char="•"/>
+            </a:pPr>
+            <a:r>
+              <a:rPr lang="zh-CN" altLang="en-US" dirty="0" smtClean="0"/>
+              <a:t>论文</a:t>
+            </a:r>
+            <a:endParaRPr lang="en-US" altLang="zh-CN" dirty="0" smtClean="0"/>
+          </a:p>
+          <a:p>
+            <a:pPr marL="742950" lvl="1" indent="-285750">
+              <a:buFont typeface="Arial" panose="020B0604020202020204" pitchFamily="34" charset="0"/>
+              <a:buChar char="•"/>
+            </a:pPr>
+            <a:r>
+              <a:rPr lang="zh-CN" altLang="en-US" dirty="0"/>
+              <a:t>一些无法理解的低级语法与排版</a:t>
+            </a:r>
+            <a:r>
+              <a:rPr lang="zh-CN" altLang="en-US" dirty="0" smtClean="0"/>
+              <a:t>错误</a:t>
             </a:r>
             <a:endParaRPr lang="en-US" altLang="zh-CN" dirty="0"/>
-          </a:p>
-          <a:p>
-            <a:r>
-              <a:rPr lang="zh-CN" altLang="en-US" dirty="0"/>
-              <a:t>数据采集的广度，深度不够</a:t>
-            </a:r>
-            <a:endParaRPr lang="en-US" altLang="zh-CN" dirty="0"/>
-          </a:p>
-          <a:p>
-            <a:r>
-              <a:rPr lang="zh-CN" altLang="en-US" dirty="0"/>
-              <a:t>无法用一段完整的话来描述复杂的世界决策</a:t>
-            </a:r>
-            <a:endParaRPr lang="en-US" altLang="zh-CN" dirty="0"/>
-          </a:p>
-          <a:p>
-            <a:r>
-              <a:rPr lang="zh-CN" altLang="en-US" dirty="0"/>
-              <a:t>一些无法理解的低级语法与排版错误</a:t>
-            </a:r>
-            <a:endParaRPr lang="en-US" altLang="zh-CN" dirty="0"/>
-          </a:p>
-          <a:p>
-            <a:pPr marL="0" indent="0">
-              <a:buNone/>
-            </a:pPr>
-            <a:endParaRPr lang="zh-CN" altLang="en-US" dirty="0"/>
           </a:p>
         </p:txBody>
       </p:sp>
@@ -4088,6 +4153,163 @@
     <p:extLst>
       <p:ext uri="{BB962C8B-B14F-4D97-AF65-F5344CB8AC3E}">
         <p14:creationId xmlns:p14="http://schemas.microsoft.com/office/powerpoint/2010/main" val="3364330858"/>
+      </p:ext>
+    </p:extLst>
+  </p:cSld>
+  <p:clrMapOvr>
+    <a:masterClrMapping/>
+  </p:clrMapOvr>
+</p:sld>
+</file>
+
+<file path=ppt/slides/slide17.xml><?xml version="1.0" encoding="utf-8"?>
+<p:sld xmlns:a="http://schemas.openxmlformats.org/drawingml/2006/main" xmlns:r="http://schemas.openxmlformats.org/officeDocument/2006/relationships" xmlns:p="http://schemas.openxmlformats.org/presentationml/2006/main">
+  <p:cSld>
+    <p:spTree>
+      <p:nvGrpSpPr>
+        <p:cNvPr id="1" name=""/>
+        <p:cNvGrpSpPr/>
+        <p:nvPr/>
+      </p:nvGrpSpPr>
+      <p:grpSpPr>
+        <a:xfrm>
+          <a:off x="0" y="0"/>
+          <a:ext cx="0" cy="0"/>
+          <a:chOff x="0" y="0"/>
+          <a:chExt cx="0" cy="0"/>
+        </a:xfrm>
+      </p:grpSpPr>
+      <p:sp>
+        <p:nvSpPr>
+          <p:cNvPr id="2" name="文本框 1"/>
+          <p:cNvSpPr txBox="1"/>
+          <p:nvPr/>
+        </p:nvSpPr>
+        <p:spPr>
+          <a:xfrm>
+            <a:off x="517585" y="362309"/>
+            <a:ext cx="2130724" cy="369332"/>
+          </a:xfrm>
+          <a:prstGeom prst="rect">
+            <a:avLst/>
+          </a:prstGeom>
+          <a:noFill/>
+        </p:spPr>
+        <p:txBody>
+          <a:bodyPr wrap="square" rtlCol="0">
+            <a:spAutoFit/>
+          </a:bodyPr>
+          <a:lstStyle/>
+          <a:p>
+            <a:r>
+              <a:rPr lang="zh-CN" altLang="en-US" dirty="0" smtClean="0"/>
+              <a:t>建议</a:t>
+            </a:r>
+            <a:endParaRPr lang="zh-CN" altLang="en-US" dirty="0"/>
+          </a:p>
+        </p:txBody>
+      </p:sp>
+      <p:sp>
+        <p:nvSpPr>
+          <p:cNvPr id="3" name="文本框 2"/>
+          <p:cNvSpPr txBox="1"/>
+          <p:nvPr/>
+        </p:nvSpPr>
+        <p:spPr>
+          <a:xfrm>
+            <a:off x="741871" y="957531"/>
+            <a:ext cx="10636371" cy="1477328"/>
+          </a:xfrm>
+          <a:prstGeom prst="rect">
+            <a:avLst/>
+          </a:prstGeom>
+          <a:noFill/>
+        </p:spPr>
+        <p:txBody>
+          <a:bodyPr wrap="square" rtlCol="0">
+            <a:spAutoFit/>
+          </a:bodyPr>
+          <a:lstStyle/>
+          <a:p>
+            <a:pPr marL="285750" indent="-285750">
+              <a:buFont typeface="Arial" panose="020B0604020202020204" pitchFamily="34" charset="0"/>
+              <a:buChar char="•"/>
+            </a:pPr>
+            <a:r>
+              <a:rPr lang="zh-CN" altLang="en-US" dirty="0" smtClean="0"/>
+              <a:t>可以将相对抽象的“</a:t>
+            </a:r>
+            <a:r>
+              <a:rPr lang="en-US" altLang="zh-CN" dirty="0" smtClean="0"/>
+              <a:t>CO2</a:t>
+            </a:r>
+            <a:r>
+              <a:rPr lang="zh-CN" altLang="en-US" dirty="0" smtClean="0"/>
+              <a:t>”，“教育”等太过离散的指标量化为一组相对连续的</a:t>
+            </a:r>
+            <a:r>
+              <a:rPr lang="zh-CN" altLang="en-US" b="1" dirty="0" smtClean="0"/>
+              <a:t>几个指标</a:t>
+            </a:r>
+            <a:endParaRPr lang="en-US" altLang="zh-CN" b="1" dirty="0" smtClean="0"/>
+          </a:p>
+          <a:p>
+            <a:pPr marL="742950" lvl="1" indent="-285750">
+              <a:buFont typeface="Arial" panose="020B0604020202020204" pitchFamily="34" charset="0"/>
+              <a:buChar char="•"/>
+            </a:pPr>
+            <a:r>
+              <a:rPr lang="zh-CN" altLang="en-US" b="1" dirty="0"/>
+              <a:t>这样</a:t>
+            </a:r>
+            <a:r>
+              <a:rPr lang="zh-CN" altLang="en-US" b="1" dirty="0" smtClean="0"/>
+              <a:t>做的好处</a:t>
+            </a:r>
+            <a:endParaRPr lang="en-US" altLang="zh-CN" b="1" dirty="0" smtClean="0"/>
+          </a:p>
+          <a:p>
+            <a:pPr marL="1200150" lvl="2" indent="-285750">
+              <a:buFont typeface="Arial" panose="020B0604020202020204" pitchFamily="34" charset="0"/>
+              <a:buChar char="•"/>
+            </a:pPr>
+            <a:r>
+              <a:rPr lang="zh-CN" altLang="en-US" b="1" dirty="0" smtClean="0"/>
+              <a:t>完善</a:t>
+            </a:r>
+            <a:r>
+              <a:rPr lang="en-US" altLang="zh-CN" b="1" dirty="0" smtClean="0"/>
+              <a:t>Q-Table</a:t>
+            </a:r>
+          </a:p>
+          <a:p>
+            <a:pPr marL="1200150" lvl="2" indent="-285750">
+              <a:buFont typeface="Arial" panose="020B0604020202020204" pitchFamily="34" charset="0"/>
+              <a:buChar char="•"/>
+            </a:pPr>
+            <a:r>
+              <a:rPr lang="zh-CN" altLang="en-US" dirty="0" smtClean="0"/>
+              <a:t>通俗易懂</a:t>
+            </a:r>
+            <a:endParaRPr lang="en-US" altLang="zh-CN" dirty="0" smtClean="0"/>
+          </a:p>
+          <a:p>
+            <a:pPr marL="1200150" lvl="2" indent="-285750">
+              <a:buFont typeface="Arial" panose="020B0604020202020204" pitchFamily="34" charset="0"/>
+              <a:buChar char="•"/>
+            </a:pPr>
+            <a:r>
+              <a:rPr lang="zh-CN" altLang="en-US" dirty="0" smtClean="0"/>
+              <a:t>量化方便</a:t>
+            </a:r>
+            <a:endParaRPr lang="zh-CN" altLang="en-US" dirty="0"/>
+          </a:p>
+        </p:txBody>
+      </p:sp>
+    </p:spTree>
+    <p:extLst>
+      <p:ext uri="{BB962C8B-B14F-4D97-AF65-F5344CB8AC3E}">
+        <p14:creationId xmlns:p14="http://schemas.microsoft.com/office/powerpoint/2010/main" val="631505050"/>
       </p:ext>
     </p:extLst>
   </p:cSld>
@@ -4360,6 +4582,10 @@
             <a:r>
               <a:rPr lang="zh-CN" altLang="en-US" dirty="0"/>
               <a:t>关键因素</a:t>
+            </a:r>
+            <a:r>
+              <a:rPr lang="en-US" altLang="zh-CN" dirty="0"/>
+              <a:t/>
             </a:r>
             <a:br>
               <a:rPr lang="en-US" altLang="zh-CN" dirty="0"/>
